--- a/Baseball Data Images.pptx
+++ b/Baseball Data Images.pptx
@@ -6,6 +6,9 @@
   </p:sldMasterIdLst>
   <p:sldIdLst>
     <p:sldId id="256" r:id="rId2"/>
+    <p:sldId id="257" r:id="rId3"/>
+    <p:sldId id="258" r:id="rId4"/>
+    <p:sldId id="259" r:id="rId5"/>
   </p:sldIdLst>
   <p:sldSz cx="12192000" cy="6858000"/>
   <p:notesSz cx="6858000" cy="9144000"/>
@@ -3454,7 +3457,7 @@
         <p:spPr>
           <a:xfrm>
             <a:off x="6267292" y="3313868"/>
-            <a:ext cx="1367682" cy="261610"/>
+            <a:ext cx="1128835" cy="261610"/>
           </a:xfrm>
           <a:prstGeom prst="rect">
             <a:avLst/>
@@ -3469,7 +3472,7 @@
           <a:p>
             <a:r>
               <a:rPr lang="en-US" sz="1100" dirty="0"/>
-              <a:t>Cumulative Statistics</a:t>
+              <a:t>Batting Statistics</a:t>
             </a:r>
           </a:p>
         </p:txBody>
@@ -3489,7 +3492,7 @@
         <p:spPr>
           <a:xfrm>
             <a:off x="9953742" y="3298195"/>
-            <a:ext cx="708848" cy="261610"/>
+            <a:ext cx="1149674" cy="261610"/>
           </a:xfrm>
           <a:prstGeom prst="rect">
             <a:avLst/>
@@ -3504,7 +3507,7 @@
           <a:p>
             <a:r>
               <a:rPr lang="en-US" sz="1100" dirty="0"/>
-              <a:t>Averages</a:t>
+              <a:t>Batting Averages</a:t>
             </a:r>
           </a:p>
         </p:txBody>
@@ -3513,6 +3516,404 @@
     <p:extLst>
       <p:ext uri="{BB962C8B-B14F-4D97-AF65-F5344CB8AC3E}">
         <p14:creationId xmlns:p14="http://schemas.microsoft.com/office/powerpoint/2010/main" val="2082679819"/>
+      </p:ext>
+    </p:extLst>
+  </p:cSld>
+  <p:clrMapOvr>
+    <a:masterClrMapping/>
+  </p:clrMapOvr>
+</p:sld>
+</file>
+
+<file path=ppt/slides/slide2.xml><?xml version="1.0" encoding="utf-8"?>
+<p:sld xmlns:a="http://schemas.openxmlformats.org/drawingml/2006/main" xmlns:r="http://schemas.openxmlformats.org/officeDocument/2006/relationships" xmlns:p="http://schemas.openxmlformats.org/presentationml/2006/main">
+  <p:cSld>
+    <p:spTree>
+      <p:nvGrpSpPr>
+        <p:cNvPr id="1" name=""/>
+        <p:cNvGrpSpPr/>
+        <p:nvPr/>
+      </p:nvGrpSpPr>
+      <p:grpSpPr>
+        <a:xfrm>
+          <a:off x="0" y="0"/>
+          <a:ext cx="0" cy="0"/>
+          <a:chOff x="0" y="0"/>
+          <a:chExt cx="0" cy="0"/>
+        </a:xfrm>
+      </p:grpSpPr>
+      <p:pic>
+        <p:nvPicPr>
+          <p:cNvPr id="5" name="Picture 4">
+            <a:extLst>
+              <a:ext uri="{FF2B5EF4-FFF2-40B4-BE49-F238E27FC236}">
+                <a16:creationId xmlns:a16="http://schemas.microsoft.com/office/drawing/2014/main" id="{9C0C6F4C-1355-7944-9355-2CFE94C0A0F5}"/>
+              </a:ext>
+            </a:extLst>
+          </p:cNvPr>
+          <p:cNvPicPr>
+            <a:picLocks noChangeAspect="1"/>
+          </p:cNvPicPr>
+          <p:nvPr/>
+        </p:nvPicPr>
+        <p:blipFill>
+          <a:blip r:embed="rId2"/>
+          <a:stretch>
+            <a:fillRect/>
+          </a:stretch>
+        </p:blipFill>
+        <p:spPr>
+          <a:xfrm>
+            <a:off x="582032" y="175477"/>
+            <a:ext cx="7950200" cy="1511300"/>
+          </a:xfrm>
+          <a:prstGeom prst="rect">
+            <a:avLst/>
+          </a:prstGeom>
+        </p:spPr>
+      </p:pic>
+      <p:pic>
+        <p:nvPicPr>
+          <p:cNvPr id="6" name="Picture 5">
+            <a:extLst>
+              <a:ext uri="{FF2B5EF4-FFF2-40B4-BE49-F238E27FC236}">
+                <a16:creationId xmlns:a16="http://schemas.microsoft.com/office/drawing/2014/main" id="{2C594C64-E578-8746-9634-D03C3D00B375}"/>
+              </a:ext>
+            </a:extLst>
+          </p:cNvPr>
+          <p:cNvPicPr>
+            <a:picLocks noChangeAspect="1"/>
+          </p:cNvPicPr>
+          <p:nvPr/>
+        </p:nvPicPr>
+        <p:blipFill>
+          <a:blip r:embed="rId3"/>
+          <a:stretch>
+            <a:fillRect/>
+          </a:stretch>
+        </p:blipFill>
+        <p:spPr>
+          <a:xfrm>
+            <a:off x="1577897" y="2601641"/>
+            <a:ext cx="3505200" cy="1498600"/>
+          </a:xfrm>
+          <a:prstGeom prst="rect">
+            <a:avLst/>
+          </a:prstGeom>
+        </p:spPr>
+      </p:pic>
+      <p:pic>
+        <p:nvPicPr>
+          <p:cNvPr id="7" name="Picture 6">
+            <a:extLst>
+              <a:ext uri="{FF2B5EF4-FFF2-40B4-BE49-F238E27FC236}">
+                <a16:creationId xmlns:a16="http://schemas.microsoft.com/office/drawing/2014/main" id="{B1EF9916-CADB-4B45-B442-20A8261FC64D}"/>
+              </a:ext>
+            </a:extLst>
+          </p:cNvPr>
+          <p:cNvPicPr>
+            <a:picLocks noChangeAspect="1"/>
+          </p:cNvPicPr>
+          <p:nvPr/>
+        </p:nvPicPr>
+        <p:blipFill>
+          <a:blip r:embed="rId4"/>
+          <a:stretch>
+            <a:fillRect/>
+          </a:stretch>
+        </p:blipFill>
+        <p:spPr>
+          <a:xfrm>
+            <a:off x="4924503" y="2106496"/>
+            <a:ext cx="5689600" cy="1663700"/>
+          </a:xfrm>
+          <a:prstGeom prst="rect">
+            <a:avLst/>
+          </a:prstGeom>
+        </p:spPr>
+      </p:pic>
+    </p:spTree>
+    <p:extLst>
+      <p:ext uri="{BB962C8B-B14F-4D97-AF65-F5344CB8AC3E}">
+        <p14:creationId xmlns:p14="http://schemas.microsoft.com/office/powerpoint/2010/main" val="2774855754"/>
+      </p:ext>
+    </p:extLst>
+  </p:cSld>
+  <p:clrMapOvr>
+    <a:masterClrMapping/>
+  </p:clrMapOvr>
+</p:sld>
+</file>
+
+<file path=ppt/slides/slide3.xml><?xml version="1.0" encoding="utf-8"?>
+<p:sld xmlns:a="http://schemas.openxmlformats.org/drawingml/2006/main" xmlns:r="http://schemas.openxmlformats.org/officeDocument/2006/relationships" xmlns:p="http://schemas.openxmlformats.org/presentationml/2006/main">
+  <p:cSld>
+    <p:spTree>
+      <p:nvGrpSpPr>
+        <p:cNvPr id="1" name=""/>
+        <p:cNvGrpSpPr/>
+        <p:nvPr/>
+      </p:nvGrpSpPr>
+      <p:grpSpPr>
+        <a:xfrm>
+          <a:off x="0" y="0"/>
+          <a:ext cx="0" cy="0"/>
+          <a:chOff x="0" y="0"/>
+          <a:chExt cx="0" cy="0"/>
+        </a:xfrm>
+      </p:grpSpPr>
+      <p:pic>
+        <p:nvPicPr>
+          <p:cNvPr id="5" name="Picture 4">
+            <a:extLst>
+              <a:ext uri="{FF2B5EF4-FFF2-40B4-BE49-F238E27FC236}">
+                <a16:creationId xmlns:a16="http://schemas.microsoft.com/office/drawing/2014/main" id="{1B507D6D-9641-6649-9EE2-B7ACF75A4BF2}"/>
+              </a:ext>
+            </a:extLst>
+          </p:cNvPr>
+          <p:cNvPicPr>
+            <a:picLocks noChangeAspect="1"/>
+          </p:cNvPicPr>
+          <p:nvPr/>
+        </p:nvPicPr>
+        <p:blipFill>
+          <a:blip r:embed="rId2"/>
+          <a:stretch>
+            <a:fillRect/>
+          </a:stretch>
+        </p:blipFill>
+        <p:spPr>
+          <a:xfrm>
+            <a:off x="1270000" y="1308100"/>
+            <a:ext cx="3505200" cy="1193800"/>
+          </a:xfrm>
+          <a:prstGeom prst="rect">
+            <a:avLst/>
+          </a:prstGeom>
+        </p:spPr>
+      </p:pic>
+      <p:sp>
+        <p:nvSpPr>
+          <p:cNvPr id="6" name="Right Brace 5">
+            <a:extLst>
+              <a:ext uri="{FF2B5EF4-FFF2-40B4-BE49-F238E27FC236}">
+                <a16:creationId xmlns:a16="http://schemas.microsoft.com/office/drawing/2014/main" id="{D6DE56B3-2DEB-D049-A949-99464EAC8392}"/>
+              </a:ext>
+            </a:extLst>
+          </p:cNvPr>
+          <p:cNvSpPr/>
+          <p:nvPr/>
+        </p:nvSpPr>
+        <p:spPr>
+          <a:xfrm rot="5400000" flipH="1">
+            <a:off x="2632681" y="-206621"/>
+            <a:ext cx="315382" cy="3040742"/>
+          </a:xfrm>
+          <a:prstGeom prst="rightBrace">
+            <a:avLst/>
+          </a:prstGeom>
+        </p:spPr>
+        <p:style>
+          <a:lnRef idx="1">
+            <a:schemeClr val="accent1"/>
+          </a:lnRef>
+          <a:fillRef idx="0">
+            <a:schemeClr val="accent1"/>
+          </a:fillRef>
+          <a:effectRef idx="0">
+            <a:schemeClr val="accent1"/>
+          </a:effectRef>
+          <a:fontRef idx="minor">
+            <a:schemeClr val="tx1"/>
+          </a:fontRef>
+        </p:style>
+        <p:txBody>
+          <a:bodyPr rtlCol="0" anchor="ctr"/>
+          <a:lstStyle/>
+          <a:p>
+            <a:pPr algn="ctr"/>
+            <a:endParaRPr lang="en-US"/>
+          </a:p>
+        </p:txBody>
+      </p:sp>
+      <p:sp>
+        <p:nvSpPr>
+          <p:cNvPr id="7" name="TextBox 6">
+            <a:extLst>
+              <a:ext uri="{FF2B5EF4-FFF2-40B4-BE49-F238E27FC236}">
+                <a16:creationId xmlns:a16="http://schemas.microsoft.com/office/drawing/2014/main" id="{ED90DAE9-A54D-7345-A8FD-8FA36ED51471}"/>
+              </a:ext>
+            </a:extLst>
+          </p:cNvPr>
+          <p:cNvSpPr txBox="1"/>
+          <p:nvPr/>
+        </p:nvSpPr>
+        <p:spPr>
+          <a:xfrm>
+            <a:off x="2106531" y="1005246"/>
+            <a:ext cx="1164101" cy="261610"/>
+          </a:xfrm>
+          <a:prstGeom prst="rect">
+            <a:avLst/>
+          </a:prstGeom>
+          <a:noFill/>
+        </p:spPr>
+        <p:txBody>
+          <a:bodyPr wrap="none" rtlCol="0">
+            <a:spAutoFit/>
+          </a:bodyPr>
+          <a:lstStyle/>
+          <a:p>
+            <a:r>
+              <a:rPr lang="en-US" sz="1100" dirty="0"/>
+              <a:t>Fielding Statistics</a:t>
+            </a:r>
+          </a:p>
+        </p:txBody>
+      </p:sp>
+    </p:spTree>
+    <p:extLst>
+      <p:ext uri="{BB962C8B-B14F-4D97-AF65-F5344CB8AC3E}">
+        <p14:creationId xmlns:p14="http://schemas.microsoft.com/office/powerpoint/2010/main" val="309591661"/>
+      </p:ext>
+    </p:extLst>
+  </p:cSld>
+  <p:clrMapOvr>
+    <a:masterClrMapping/>
+  </p:clrMapOvr>
+</p:sld>
+</file>
+
+<file path=ppt/slides/slide4.xml><?xml version="1.0" encoding="utf-8"?>
+<p:sld xmlns:a="http://schemas.openxmlformats.org/drawingml/2006/main" xmlns:r="http://schemas.openxmlformats.org/officeDocument/2006/relationships" xmlns:p="http://schemas.openxmlformats.org/presentationml/2006/main">
+  <p:cSld>
+    <p:spTree>
+      <p:nvGrpSpPr>
+        <p:cNvPr id="1" name=""/>
+        <p:cNvGrpSpPr/>
+        <p:nvPr/>
+      </p:nvGrpSpPr>
+      <p:grpSpPr>
+        <a:xfrm>
+          <a:off x="0" y="0"/>
+          <a:ext cx="0" cy="0"/>
+          <a:chOff x="0" y="0"/>
+          <a:chExt cx="0" cy="0"/>
+        </a:xfrm>
+      </p:grpSpPr>
+      <p:pic>
+        <p:nvPicPr>
+          <p:cNvPr id="4" name="Picture 3">
+            <a:extLst>
+              <a:ext uri="{FF2B5EF4-FFF2-40B4-BE49-F238E27FC236}">
+                <a16:creationId xmlns:a16="http://schemas.microsoft.com/office/drawing/2014/main" id="{227BAEEB-526F-F545-9C5A-7CB8CB8A11CD}"/>
+              </a:ext>
+            </a:extLst>
+          </p:cNvPr>
+          <p:cNvPicPr>
+            <a:picLocks noChangeAspect="1"/>
+          </p:cNvPicPr>
+          <p:nvPr/>
+        </p:nvPicPr>
+        <p:blipFill>
+          <a:blip r:embed="rId2"/>
+          <a:stretch>
+            <a:fillRect/>
+          </a:stretch>
+        </p:blipFill>
+        <p:spPr>
+          <a:xfrm>
+            <a:off x="1087864" y="2300249"/>
+            <a:ext cx="5689600" cy="1320800"/>
+          </a:xfrm>
+          <a:prstGeom prst="rect">
+            <a:avLst/>
+          </a:prstGeom>
+        </p:spPr>
+      </p:pic>
+      <p:sp>
+        <p:nvSpPr>
+          <p:cNvPr id="5" name="Right Brace 4">
+            <a:extLst>
+              <a:ext uri="{FF2B5EF4-FFF2-40B4-BE49-F238E27FC236}">
+                <a16:creationId xmlns:a16="http://schemas.microsoft.com/office/drawing/2014/main" id="{35ECD227-2DB8-F342-B782-0C46082E7765}"/>
+              </a:ext>
+            </a:extLst>
+          </p:cNvPr>
+          <p:cNvSpPr/>
+          <p:nvPr/>
+        </p:nvSpPr>
+        <p:spPr>
+          <a:xfrm rot="5400000" flipH="1">
+            <a:off x="3660982" y="-237273"/>
+            <a:ext cx="315382" cy="5075043"/>
+          </a:xfrm>
+          <a:prstGeom prst="rightBrace">
+            <a:avLst/>
+          </a:prstGeom>
+        </p:spPr>
+        <p:style>
+          <a:lnRef idx="1">
+            <a:schemeClr val="accent1"/>
+          </a:lnRef>
+          <a:fillRef idx="0">
+            <a:schemeClr val="accent1"/>
+          </a:fillRef>
+          <a:effectRef idx="0">
+            <a:schemeClr val="accent1"/>
+          </a:effectRef>
+          <a:fontRef idx="minor">
+            <a:schemeClr val="tx1"/>
+          </a:fontRef>
+        </p:style>
+        <p:txBody>
+          <a:bodyPr rtlCol="0" anchor="ctr"/>
+          <a:lstStyle/>
+          <a:p>
+            <a:pPr algn="ctr"/>
+            <a:endParaRPr lang="en-US"/>
+          </a:p>
+        </p:txBody>
+      </p:sp>
+      <p:sp>
+        <p:nvSpPr>
+          <p:cNvPr id="6" name="TextBox 5">
+            <a:extLst>
+              <a:ext uri="{FF2B5EF4-FFF2-40B4-BE49-F238E27FC236}">
+                <a16:creationId xmlns:a16="http://schemas.microsoft.com/office/drawing/2014/main" id="{BA712BB4-9BAD-F445-843B-B5AB37EEF255}"/>
+              </a:ext>
+            </a:extLst>
+          </p:cNvPr>
+          <p:cNvSpPr txBox="1"/>
+          <p:nvPr/>
+        </p:nvSpPr>
+        <p:spPr>
+          <a:xfrm>
+            <a:off x="3512339" y="1959793"/>
+            <a:ext cx="612668" cy="261610"/>
+          </a:xfrm>
+          <a:prstGeom prst="rect">
+            <a:avLst/>
+          </a:prstGeom>
+          <a:noFill/>
+        </p:spPr>
+        <p:txBody>
+          <a:bodyPr wrap="none" rtlCol="0">
+            <a:spAutoFit/>
+          </a:bodyPr>
+          <a:lstStyle/>
+          <a:p>
+            <a:r>
+              <a:rPr lang="en-US" sz="1100" dirty="0"/>
+              <a:t>Awards</a:t>
+            </a:r>
+          </a:p>
+        </p:txBody>
+      </p:sp>
+    </p:spTree>
+    <p:extLst>
+      <p:ext uri="{BB962C8B-B14F-4D97-AF65-F5344CB8AC3E}">
+        <p14:creationId xmlns:p14="http://schemas.microsoft.com/office/powerpoint/2010/main" val="3938313222"/>
       </p:ext>
     </p:extLst>
   </p:cSld>
